--- a/info-plotting/angular_momentum.pptx
+++ b/info-plotting/angular_momentum.pptx
@@ -6,6 +6,8 @@
   </p:sldMasterIdLst>
   <p:sldIdLst>
     <p:sldId id="256" r:id="rId2"/>
+    <p:sldId id="257" r:id="rId3"/>
+    <p:sldId id="258" r:id="rId4"/>
   </p:sldIdLst>
   <p:sldSz cx="12192000" cy="6858000"/>
   <p:notesSz cx="6858000" cy="9144000"/>
@@ -4352,7 +4354,7 @@
         </p:nvSpPr>
         <p:spPr>
           <a:xfrm rot="10624829">
-            <a:off x="9228944" y="5709923"/>
+            <a:off x="9294166" y="5693611"/>
             <a:ext cx="1294353" cy="180975"/>
           </a:xfrm>
           <a:prstGeom prst="arc">
@@ -4503,6 +4505,201 @@
       </p:par>
     </p:tnLst>
   </p:timing>
+</p:sld>
+</file>
+
+<file path=ppt/slides/slide2.xml><?xml version="1.0" encoding="utf-8"?>
+<p:sld xmlns:a="http://schemas.openxmlformats.org/drawingml/2006/main" xmlns:r="http://schemas.openxmlformats.org/officeDocument/2006/relationships" xmlns:p="http://schemas.openxmlformats.org/presentationml/2006/main">
+  <p:cSld>
+    <p:spTree>
+      <p:nvGrpSpPr>
+        <p:cNvPr id="1" name=""/>
+        <p:cNvGrpSpPr/>
+        <p:nvPr/>
+      </p:nvGrpSpPr>
+      <p:grpSpPr>
+        <a:xfrm>
+          <a:off x="0" y="0"/>
+          <a:ext cx="0" cy="0"/>
+          <a:chOff x="0" y="0"/>
+          <a:chExt cx="0" cy="0"/>
+        </a:xfrm>
+      </p:grpSpPr>
+      <p:pic>
+        <p:nvPicPr>
+          <p:cNvPr id="2" name="Picture 1"/>
+          <p:cNvPicPr>
+            <a:picLocks noChangeAspect="1"/>
+          </p:cNvPicPr>
+          <p:nvPr/>
+        </p:nvPicPr>
+        <p:blipFill>
+          <a:blip r:embed="rId2"/>
+          <a:stretch>
+            <a:fillRect/>
+          </a:stretch>
+        </p:blipFill>
+        <p:spPr>
+          <a:xfrm>
+            <a:off x="1790099" y="-372006"/>
+            <a:ext cx="8611802" cy="7602011"/>
+          </a:xfrm>
+          <a:prstGeom prst="rect">
+            <a:avLst/>
+          </a:prstGeom>
+        </p:spPr>
+      </p:pic>
+    </p:spTree>
+    <p:extLst>
+      <p:ext uri="{BB962C8B-B14F-4D97-AF65-F5344CB8AC3E}">
+        <p14:creationId xmlns:p14="http://schemas.microsoft.com/office/powerpoint/2010/main" val="3808199770"/>
+      </p:ext>
+    </p:extLst>
+  </p:cSld>
+  <p:clrMapOvr>
+    <a:masterClrMapping/>
+  </p:clrMapOvr>
+</p:sld>
+</file>
+
+<file path=ppt/slides/slide3.xml><?xml version="1.0" encoding="utf-8"?>
+<p:sld xmlns:a="http://schemas.openxmlformats.org/drawingml/2006/main" xmlns:r="http://schemas.openxmlformats.org/officeDocument/2006/relationships" xmlns:p="http://schemas.openxmlformats.org/presentationml/2006/main">
+  <p:cSld>
+    <p:spTree>
+      <p:nvGrpSpPr>
+        <p:cNvPr id="1" name=""/>
+        <p:cNvGrpSpPr/>
+        <p:nvPr/>
+      </p:nvGrpSpPr>
+      <p:grpSpPr>
+        <a:xfrm>
+          <a:off x="0" y="0"/>
+          <a:ext cx="0" cy="0"/>
+          <a:chOff x="0" y="0"/>
+          <a:chExt cx="0" cy="0"/>
+        </a:xfrm>
+      </p:grpSpPr>
+      <p:pic>
+        <p:nvPicPr>
+          <p:cNvPr id="2" name="Picture 1"/>
+          <p:cNvPicPr>
+            <a:picLocks noChangeAspect="1"/>
+          </p:cNvPicPr>
+          <p:nvPr/>
+        </p:nvPicPr>
+        <p:blipFill>
+          <a:blip r:embed="rId2"/>
+          <a:stretch>
+            <a:fillRect/>
+          </a:stretch>
+        </p:blipFill>
+        <p:spPr>
+          <a:xfrm>
+            <a:off x="509872" y="220980"/>
+            <a:ext cx="3595693" cy="6189846"/>
+          </a:xfrm>
+          <a:prstGeom prst="rect">
+            <a:avLst/>
+          </a:prstGeom>
+        </p:spPr>
+      </p:pic>
+      <p:pic>
+        <p:nvPicPr>
+          <p:cNvPr id="3" name="Picture 2"/>
+          <p:cNvPicPr>
+            <a:picLocks noChangeAspect="1"/>
+          </p:cNvPicPr>
+          <p:nvPr/>
+        </p:nvPicPr>
+        <p:blipFill>
+          <a:blip r:embed="rId3"/>
+          <a:stretch>
+            <a:fillRect/>
+          </a:stretch>
+        </p:blipFill>
+        <p:spPr>
+          <a:xfrm>
+            <a:off x="4105565" y="562615"/>
+            <a:ext cx="3991532" cy="4467849"/>
+          </a:xfrm>
+          <a:prstGeom prst="rect">
+            <a:avLst/>
+          </a:prstGeom>
+        </p:spPr>
+      </p:pic>
+      <p:pic>
+        <p:nvPicPr>
+          <p:cNvPr id="4" name="Picture 3"/>
+          <p:cNvPicPr>
+            <a:picLocks noChangeAspect="1"/>
+          </p:cNvPicPr>
+          <p:nvPr/>
+        </p:nvPicPr>
+        <p:blipFill>
+          <a:blip r:embed="rId4"/>
+          <a:stretch>
+            <a:fillRect/>
+          </a:stretch>
+        </p:blipFill>
+        <p:spPr>
+          <a:xfrm>
+            <a:off x="4105565" y="4720858"/>
+            <a:ext cx="4058216" cy="619211"/>
+          </a:xfrm>
+          <a:prstGeom prst="rect">
+            <a:avLst/>
+          </a:prstGeom>
+        </p:spPr>
+      </p:pic>
+      <p:sp>
+        <p:nvSpPr>
+          <p:cNvPr id="5" name="TextBox 4"/>
+          <p:cNvSpPr txBox="1"/>
+          <p:nvPr/>
+        </p:nvSpPr>
+        <p:spPr>
+          <a:xfrm>
+            <a:off x="175260" y="6410826"/>
+            <a:ext cx="12677060" cy="646331"/>
+          </a:xfrm>
+          <a:prstGeom prst="rect">
+            <a:avLst/>
+          </a:prstGeom>
+          <a:noFill/>
+        </p:spPr>
+        <p:txBody>
+          <a:bodyPr wrap="none" rtlCol="0">
+            <a:spAutoFit/>
+          </a:bodyPr>
+          <a:lstStyle/>
+          <a:p>
+            <a:r>
+              <a:rPr lang="en-US" dirty="0" smtClean="0"/>
+              <a:t>In </a:t>
+            </a:r>
+            <a:r>
+              <a:rPr lang="en-US" dirty="0" smtClean="0">
+                <a:hlinkClick r:id="rId5"/>
+              </a:rPr>
+              <a:t>https://www.ngdc.noaa.gov/stp/space-weather/online-publications/miscellaneous/afrl_publications/handbook_1985/Chptr23.pdf</a:t>
+            </a:r>
+            <a:endParaRPr lang="en-US" dirty="0" smtClean="0"/>
+          </a:p>
+          <a:p>
+            <a:endParaRPr lang="en-US" dirty="0"/>
+          </a:p>
+        </p:txBody>
+      </p:sp>
+    </p:spTree>
+    <p:extLst>
+      <p:ext uri="{BB962C8B-B14F-4D97-AF65-F5344CB8AC3E}">
+        <p14:creationId xmlns:p14="http://schemas.microsoft.com/office/powerpoint/2010/main" val="4235082063"/>
+      </p:ext>
+    </p:extLst>
+  </p:cSld>
+  <p:clrMapOvr>
+    <a:masterClrMapping/>
+  </p:clrMapOvr>
 </p:sld>
 </file>
 
